--- a/pres-source/07-hadoop-extras.pptx
+++ b/pres-source/07-hadoop-extras.pptx
@@ -214,7 +214,7 @@
             <a:fld id="{7307762F-A706-E543-A832-3C298AA3103F}" type="datetimeFigureOut">
               <a:rPr lang="en-US" smtClean="0"/>
               <a:pPr/>
-              <a:t>22/08/17</a:t>
+              <a:t>18/07/18</a:t>
             </a:fld>
             <a:endParaRPr lang="en-US" dirty="0"/>
           </a:p>
@@ -781,7 +781,7 @@
           <a:p>
             <a:fld id="{875CF0EB-321F-0749-B37A-89BBA859503C}" type="datetimeFigureOut">
               <a:rPr lang="en-US" smtClean="0"/>
-              <a:t>22/08/17</a:t>
+              <a:t>18/07/18</a:t>
             </a:fld>
             <a:endParaRPr lang="en-US"/>
           </a:p>
@@ -985,7 +985,7 @@
           <a:p>
             <a:fld id="{875CF0EB-321F-0749-B37A-89BBA859503C}" type="datetimeFigureOut">
               <a:rPr lang="en-US" smtClean="0"/>
-              <a:t>22/08/17</a:t>
+              <a:t>18/07/18</a:t>
             </a:fld>
             <a:endParaRPr lang="en-US"/>
           </a:p>
@@ -1179,7 +1179,7 @@
           <a:p>
             <a:fld id="{875CF0EB-321F-0749-B37A-89BBA859503C}" type="datetimeFigureOut">
               <a:rPr lang="en-US" smtClean="0"/>
-              <a:t>22/08/17</a:t>
+              <a:t>18/07/18</a:t>
             </a:fld>
             <a:endParaRPr lang="en-US"/>
           </a:p>
@@ -1449,7 +1449,7 @@
           <a:p>
             <a:fld id="{875CF0EB-321F-0749-B37A-89BBA859503C}" type="datetimeFigureOut">
               <a:rPr lang="en-US" smtClean="0"/>
-              <a:t>22/08/17</a:t>
+              <a:t>18/07/18</a:t>
             </a:fld>
             <a:endParaRPr lang="en-US"/>
           </a:p>
@@ -1761,7 +1761,7 @@
           <a:p>
             <a:fld id="{875CF0EB-321F-0749-B37A-89BBA859503C}" type="datetimeFigureOut">
               <a:rPr lang="en-US" smtClean="0"/>
-              <a:t>22/08/17</a:t>
+              <a:t>18/07/18</a:t>
             </a:fld>
             <a:endParaRPr lang="en-US"/>
           </a:p>
@@ -2207,7 +2207,7 @@
           <a:p>
             <a:fld id="{875CF0EB-321F-0749-B37A-89BBA859503C}" type="datetimeFigureOut">
               <a:rPr lang="en-US" smtClean="0"/>
-              <a:t>22/08/17</a:t>
+              <a:t>18/07/18</a:t>
             </a:fld>
             <a:endParaRPr lang="en-US"/>
           </a:p>
@@ -2349,7 +2349,7 @@
           <a:p>
             <a:fld id="{875CF0EB-321F-0749-B37A-89BBA859503C}" type="datetimeFigureOut">
               <a:rPr lang="en-US" smtClean="0"/>
-              <a:t>22/08/17</a:t>
+              <a:t>18/07/18</a:t>
             </a:fld>
             <a:endParaRPr lang="en-US"/>
           </a:p>
@@ -2468,7 +2468,7 @@
           <a:p>
             <a:fld id="{875CF0EB-321F-0749-B37A-89BBA859503C}" type="datetimeFigureOut">
               <a:rPr lang="en-US" smtClean="0"/>
-              <a:t>22/08/17</a:t>
+              <a:t>18/07/18</a:t>
             </a:fld>
             <a:endParaRPr lang="en-US"/>
           </a:p>
@@ -2769,7 +2769,7 @@
           <a:p>
             <a:fld id="{875CF0EB-321F-0749-B37A-89BBA859503C}" type="datetimeFigureOut">
               <a:rPr lang="en-US" smtClean="0"/>
-              <a:t>22/08/17</a:t>
+              <a:t>18/07/18</a:t>
             </a:fld>
             <a:endParaRPr lang="en-US"/>
           </a:p>
@@ -3046,7 +3046,7 @@
           <a:p>
             <a:fld id="{875CF0EB-321F-0749-B37A-89BBA859503C}" type="datetimeFigureOut">
               <a:rPr lang="en-US" smtClean="0"/>
-              <a:t>22/08/17</a:t>
+              <a:t>18/07/18</a:t>
             </a:fld>
             <a:endParaRPr lang="en-US"/>
           </a:p>
@@ -3973,7 +3973,7 @@
                 <a:ea typeface="ヒラギノ角ゴ ProN W3" charset="0"/>
                 <a:cs typeface="ヒラギノ角ゴ ProN W3" charset="0"/>
               </a:rPr>
-              <a:t>Sept 2017</a:t>
+              <a:t>July 2018</a:t>
             </a:r>
             <a:endParaRPr lang="en-US" dirty="0">
               <a:ea typeface="ヒラギノ角ゴ ProN W3" charset="0"/>
